--- a/NoneCode/SmallProject.pptx
+++ b/NoneCode/SmallProject.pptx
@@ -269,7 +269,7 @@
           <a:p>
             <a:fld id="{F8843D5B-1A4F-4CC8-9181-F01D3414415A}" type="datetimeFigureOut">
               <a:rPr lang="zh-CN" altLang="en-US" smtClean="0"/>
-              <a:t>2025/6/1</a:t>
+              <a:t>2025/6/2</a:t>
             </a:fld>
             <a:endParaRPr lang="zh-CN" altLang="en-US"/>
           </a:p>
@@ -467,7 +467,7 @@
           <a:p>
             <a:fld id="{F8843D5B-1A4F-4CC8-9181-F01D3414415A}" type="datetimeFigureOut">
               <a:rPr lang="zh-CN" altLang="en-US" smtClean="0"/>
-              <a:t>2025/6/1</a:t>
+              <a:t>2025/6/2</a:t>
             </a:fld>
             <a:endParaRPr lang="zh-CN" altLang="en-US"/>
           </a:p>
@@ -675,7 +675,7 @@
           <a:p>
             <a:fld id="{F8843D5B-1A4F-4CC8-9181-F01D3414415A}" type="datetimeFigureOut">
               <a:rPr lang="zh-CN" altLang="en-US" smtClean="0"/>
-              <a:t>2025/6/1</a:t>
+              <a:t>2025/6/2</a:t>
             </a:fld>
             <a:endParaRPr lang="zh-CN" altLang="en-US"/>
           </a:p>
@@ -873,7 +873,7 @@
           <a:p>
             <a:fld id="{F8843D5B-1A4F-4CC8-9181-F01D3414415A}" type="datetimeFigureOut">
               <a:rPr lang="zh-CN" altLang="en-US" smtClean="0"/>
-              <a:t>2025/6/1</a:t>
+              <a:t>2025/6/2</a:t>
             </a:fld>
             <a:endParaRPr lang="zh-CN" altLang="en-US"/>
           </a:p>
@@ -1148,7 +1148,7 @@
           <a:p>
             <a:fld id="{F8843D5B-1A4F-4CC8-9181-F01D3414415A}" type="datetimeFigureOut">
               <a:rPr lang="zh-CN" altLang="en-US" smtClean="0"/>
-              <a:t>2025/6/1</a:t>
+              <a:t>2025/6/2</a:t>
             </a:fld>
             <a:endParaRPr lang="zh-CN" altLang="en-US"/>
           </a:p>
@@ -1413,7 +1413,7 @@
           <a:p>
             <a:fld id="{F8843D5B-1A4F-4CC8-9181-F01D3414415A}" type="datetimeFigureOut">
               <a:rPr lang="zh-CN" altLang="en-US" smtClean="0"/>
-              <a:t>2025/6/1</a:t>
+              <a:t>2025/6/2</a:t>
             </a:fld>
             <a:endParaRPr lang="zh-CN" altLang="en-US"/>
           </a:p>
@@ -1825,7 +1825,7 @@
           <a:p>
             <a:fld id="{F8843D5B-1A4F-4CC8-9181-F01D3414415A}" type="datetimeFigureOut">
               <a:rPr lang="zh-CN" altLang="en-US" smtClean="0"/>
-              <a:t>2025/6/1</a:t>
+              <a:t>2025/6/2</a:t>
             </a:fld>
             <a:endParaRPr lang="zh-CN" altLang="en-US"/>
           </a:p>
@@ -1966,7 +1966,7 @@
           <a:p>
             <a:fld id="{F8843D5B-1A4F-4CC8-9181-F01D3414415A}" type="datetimeFigureOut">
               <a:rPr lang="zh-CN" altLang="en-US" smtClean="0"/>
-              <a:t>2025/6/1</a:t>
+              <a:t>2025/6/2</a:t>
             </a:fld>
             <a:endParaRPr lang="zh-CN" altLang="en-US"/>
           </a:p>
@@ -2079,7 +2079,7 @@
           <a:p>
             <a:fld id="{F8843D5B-1A4F-4CC8-9181-F01D3414415A}" type="datetimeFigureOut">
               <a:rPr lang="zh-CN" altLang="en-US" smtClean="0"/>
-              <a:t>2025/6/1</a:t>
+              <a:t>2025/6/2</a:t>
             </a:fld>
             <a:endParaRPr lang="zh-CN" altLang="en-US"/>
           </a:p>
@@ -2390,7 +2390,7 @@
           <a:p>
             <a:fld id="{F8843D5B-1A4F-4CC8-9181-F01D3414415A}" type="datetimeFigureOut">
               <a:rPr lang="zh-CN" altLang="en-US" smtClean="0"/>
-              <a:t>2025/6/1</a:t>
+              <a:t>2025/6/2</a:t>
             </a:fld>
             <a:endParaRPr lang="zh-CN" altLang="en-US"/>
           </a:p>
@@ -2678,7 +2678,7 @@
           <a:p>
             <a:fld id="{F8843D5B-1A4F-4CC8-9181-F01D3414415A}" type="datetimeFigureOut">
               <a:rPr lang="zh-CN" altLang="en-US" smtClean="0"/>
-              <a:t>2025/6/1</a:t>
+              <a:t>2025/6/2</a:t>
             </a:fld>
             <a:endParaRPr lang="zh-CN" altLang="en-US"/>
           </a:p>
@@ -2919,7 +2919,7 @@
           <a:p>
             <a:fld id="{F8843D5B-1A4F-4CC8-9181-F01D3414415A}" type="datetimeFigureOut">
               <a:rPr lang="zh-CN" altLang="en-US" smtClean="0"/>
-              <a:t>2025/6/1</a:t>
+              <a:t>2025/6/2</a:t>
             </a:fld>
             <a:endParaRPr lang="zh-CN" altLang="en-US"/>
           </a:p>
@@ -4859,7 +4859,21 @@
                 <a:latin typeface="Times New Roman" panose="02020603050405020304" pitchFamily="18" charset="0"/>
                 <a:cs typeface="Times New Roman" panose="02020603050405020304" pitchFamily="18" charset="0"/>
               </a:rPr>
-              <a:t>MySQL                                SwaggerHub                                                         </a:t>
+              <a:t>MySQL                 Postman              </a:t>
+            </a:r>
+            <a:r>
+              <a:rPr lang="en-US" altLang="zh-CN" sz="2800" b="1" dirty="0" err="1">
+                <a:latin typeface="Times New Roman" panose="02020603050405020304" pitchFamily="18" charset="0"/>
+                <a:cs typeface="Times New Roman" panose="02020603050405020304" pitchFamily="18" charset="0"/>
+              </a:rPr>
+              <a:t>SwaggerHub</a:t>
+            </a:r>
+            <a:r>
+              <a:rPr lang="en-US" altLang="zh-CN" sz="2800" b="1" dirty="0">
+                <a:latin typeface="Times New Roman" panose="02020603050405020304" pitchFamily="18" charset="0"/>
+                <a:cs typeface="Times New Roman" panose="02020603050405020304" pitchFamily="18" charset="0"/>
+              </a:rPr>
+              <a:t>               Lighthouse                                                       </a:t>
             </a:r>
             <a:endParaRPr lang="zh-CN" altLang="en-US" sz="2800" b="1" dirty="0">
               <a:latin typeface="Times New Roman" panose="02020603050405020304" pitchFamily="18" charset="0"/>
@@ -5901,7 +5915,11 @@
           <a:lstStyle/>
           <a:p>
             <a:pPr algn="ctr"/>
-            <a:endParaRPr lang="zh-CN" altLang="en-US"/>
+            <a:r>
+              <a:rPr lang="en-US" altLang="zh-CN" dirty="0"/>
+              <a:t>Gnatt Pro Data Issue</a:t>
+            </a:r>
+            <a:endParaRPr lang="zh-CN" altLang="en-US" dirty="0"/>
           </a:p>
         </p:txBody>
       </p:sp>
@@ -7922,32 +7940,49 @@
       </p:pic>
       <p:pic>
         <p:nvPicPr>
-          <p:cNvPr id="4" name="图片 3">
-            <a:extLst>
-              <a:ext uri="{FF2B5EF4-FFF2-40B4-BE49-F238E27FC236}">
-                <a16:creationId xmlns:a16="http://schemas.microsoft.com/office/drawing/2014/main" id="{DD8F6191-5BEC-DF38-1790-8BE6DB37628A}"/>
+          <p:cNvPr id="1026" name="Picture 2" descr="enhanced-image">
+            <a:extLst>
+              <a:ext uri="{FF2B5EF4-FFF2-40B4-BE49-F238E27FC236}">
+                <a16:creationId xmlns:a16="http://schemas.microsoft.com/office/drawing/2014/main" id="{FC70A529-CED1-0127-1E59-D34A1B3CD88F}"/>
               </a:ext>
             </a:extLst>
           </p:cNvPr>
           <p:cNvPicPr>
-            <a:picLocks noChangeAspect="1"/>
+            <a:picLocks noChangeAspect="1" noChangeArrowheads="1"/>
           </p:cNvPicPr>
           <p:nvPr/>
         </p:nvPicPr>
         <p:blipFill>
-          <a:blip r:embed="rId4"/>
+          <a:blip r:embed="rId4">
+            <a:extLst>
+              <a:ext uri="{28A0092B-C50C-407E-A947-70E740481C1C}">
+                <a14:useLocalDpi xmlns:a14="http://schemas.microsoft.com/office/drawing/2010/main" val="0"/>
+              </a:ext>
+            </a:extLst>
+          </a:blip>
+          <a:srcRect/>
           <a:stretch>
             <a:fillRect/>
           </a:stretch>
         </p:blipFill>
-        <p:spPr>
-          <a:xfrm>
-            <a:off x="937922" y="738146"/>
-            <a:ext cx="10316156" cy="5381708"/>
+        <p:spPr bwMode="auto">
+          <a:xfrm>
+            <a:off x="1524000" y="261938"/>
+            <a:ext cx="9144000" cy="6334125"/>
           </a:xfrm>
           <a:prstGeom prst="rect">
             <a:avLst/>
           </a:prstGeom>
+          <a:noFill/>
+          <a:extLst>
+            <a:ext uri="{909E8E84-426E-40DD-AFC4-6F175D3DCCD1}">
+              <a14:hiddenFill xmlns:a14="http://schemas.microsoft.com/office/drawing/2010/main">
+                <a:solidFill>
+                  <a:srgbClr val="FFFFFF"/>
+                </a:solidFill>
+              </a14:hiddenFill>
+            </a:ext>
+          </a:extLst>
         </p:spPr>
       </p:pic>
     </p:spTree>

--- a/NoneCode/SmallProject.pptx
+++ b/NoneCode/SmallProject.pptx
@@ -269,7 +269,7 @@
           <a:p>
             <a:fld id="{F8843D5B-1A4F-4CC8-9181-F01D3414415A}" type="datetimeFigureOut">
               <a:rPr lang="zh-CN" altLang="en-US" smtClean="0"/>
-              <a:t>2025/6/2</a:t>
+              <a:t>2025/6/3</a:t>
             </a:fld>
             <a:endParaRPr lang="zh-CN" altLang="en-US"/>
           </a:p>
@@ -467,7 +467,7 @@
           <a:p>
             <a:fld id="{F8843D5B-1A4F-4CC8-9181-F01D3414415A}" type="datetimeFigureOut">
               <a:rPr lang="zh-CN" altLang="en-US" smtClean="0"/>
-              <a:t>2025/6/2</a:t>
+              <a:t>2025/6/3</a:t>
             </a:fld>
             <a:endParaRPr lang="zh-CN" altLang="en-US"/>
           </a:p>
@@ -675,7 +675,7 @@
           <a:p>
             <a:fld id="{F8843D5B-1A4F-4CC8-9181-F01D3414415A}" type="datetimeFigureOut">
               <a:rPr lang="zh-CN" altLang="en-US" smtClean="0"/>
-              <a:t>2025/6/2</a:t>
+              <a:t>2025/6/3</a:t>
             </a:fld>
             <a:endParaRPr lang="zh-CN" altLang="en-US"/>
           </a:p>
@@ -873,7 +873,7 @@
           <a:p>
             <a:fld id="{F8843D5B-1A4F-4CC8-9181-F01D3414415A}" type="datetimeFigureOut">
               <a:rPr lang="zh-CN" altLang="en-US" smtClean="0"/>
-              <a:t>2025/6/2</a:t>
+              <a:t>2025/6/3</a:t>
             </a:fld>
             <a:endParaRPr lang="zh-CN" altLang="en-US"/>
           </a:p>
@@ -1148,7 +1148,7 @@
           <a:p>
             <a:fld id="{F8843D5B-1A4F-4CC8-9181-F01D3414415A}" type="datetimeFigureOut">
               <a:rPr lang="zh-CN" altLang="en-US" smtClean="0"/>
-              <a:t>2025/6/2</a:t>
+              <a:t>2025/6/3</a:t>
             </a:fld>
             <a:endParaRPr lang="zh-CN" altLang="en-US"/>
           </a:p>
@@ -1413,7 +1413,7 @@
           <a:p>
             <a:fld id="{F8843D5B-1A4F-4CC8-9181-F01D3414415A}" type="datetimeFigureOut">
               <a:rPr lang="zh-CN" altLang="en-US" smtClean="0"/>
-              <a:t>2025/6/2</a:t>
+              <a:t>2025/6/3</a:t>
             </a:fld>
             <a:endParaRPr lang="zh-CN" altLang="en-US"/>
           </a:p>
@@ -1825,7 +1825,7 @@
           <a:p>
             <a:fld id="{F8843D5B-1A4F-4CC8-9181-F01D3414415A}" type="datetimeFigureOut">
               <a:rPr lang="zh-CN" altLang="en-US" smtClean="0"/>
-              <a:t>2025/6/2</a:t>
+              <a:t>2025/6/3</a:t>
             </a:fld>
             <a:endParaRPr lang="zh-CN" altLang="en-US"/>
           </a:p>
@@ -1966,7 +1966,7 @@
           <a:p>
             <a:fld id="{F8843D5B-1A4F-4CC8-9181-F01D3414415A}" type="datetimeFigureOut">
               <a:rPr lang="zh-CN" altLang="en-US" smtClean="0"/>
-              <a:t>2025/6/2</a:t>
+              <a:t>2025/6/3</a:t>
             </a:fld>
             <a:endParaRPr lang="zh-CN" altLang="en-US"/>
           </a:p>
@@ -2079,7 +2079,7 @@
           <a:p>
             <a:fld id="{F8843D5B-1A4F-4CC8-9181-F01D3414415A}" type="datetimeFigureOut">
               <a:rPr lang="zh-CN" altLang="en-US" smtClean="0"/>
-              <a:t>2025/6/2</a:t>
+              <a:t>2025/6/3</a:t>
             </a:fld>
             <a:endParaRPr lang="zh-CN" altLang="en-US"/>
           </a:p>
@@ -2390,7 +2390,7 @@
           <a:p>
             <a:fld id="{F8843D5B-1A4F-4CC8-9181-F01D3414415A}" type="datetimeFigureOut">
               <a:rPr lang="zh-CN" altLang="en-US" smtClean="0"/>
-              <a:t>2025/6/2</a:t>
+              <a:t>2025/6/3</a:t>
             </a:fld>
             <a:endParaRPr lang="zh-CN" altLang="en-US"/>
           </a:p>
@@ -2678,7 +2678,7 @@
           <a:p>
             <a:fld id="{F8843D5B-1A4F-4CC8-9181-F01D3414415A}" type="datetimeFigureOut">
               <a:rPr lang="zh-CN" altLang="en-US" smtClean="0"/>
-              <a:t>2025/6/2</a:t>
+              <a:t>2025/6/3</a:t>
             </a:fld>
             <a:endParaRPr lang="zh-CN" altLang="en-US"/>
           </a:p>
@@ -2919,7 +2919,7 @@
           <a:p>
             <a:fld id="{F8843D5B-1A4F-4CC8-9181-F01D3414415A}" type="datetimeFigureOut">
               <a:rPr lang="zh-CN" altLang="en-US" smtClean="0"/>
-              <a:t>2025/6/2</a:t>
+              <a:t>2025/6/3</a:t>
             </a:fld>
             <a:endParaRPr lang="zh-CN" altLang="en-US"/>
           </a:p>
@@ -5534,7 +5534,11 @@
           <a:lstStyle/>
           <a:p>
             <a:pPr algn="ctr"/>
-            <a:endParaRPr lang="zh-CN" altLang="en-US"/>
+            <a:r>
+              <a:rPr lang="en-US" altLang="zh-CN" dirty="0"/>
+              <a:t>Initial Website Setup </a:t>
+            </a:r>
+            <a:endParaRPr lang="zh-CN" altLang="en-US" dirty="0"/>
           </a:p>
         </p:txBody>
       </p:sp>
@@ -5580,7 +5584,11 @@
           <a:lstStyle/>
           <a:p>
             <a:pPr algn="ctr"/>
-            <a:endParaRPr lang="zh-CN" altLang="en-US"/>
+            <a:r>
+              <a:rPr lang="en-US" altLang="zh-CN" dirty="0"/>
+              <a:t>Organization of the Gnatt Chart</a:t>
+            </a:r>
+            <a:endParaRPr lang="zh-CN" altLang="en-US" dirty="0"/>
           </a:p>
         </p:txBody>
       </p:sp>
@@ -5965,7 +5973,15 @@
           <a:lstStyle/>
           <a:p>
             <a:pPr algn="ctr"/>
-            <a:endParaRPr lang="zh-CN" altLang="en-US"/>
+            <a:r>
+              <a:rPr lang="en-US" altLang="zh-CN" dirty="0"/>
+              <a:t>Learning </a:t>
+            </a:r>
+            <a:r>
+              <a:rPr lang="en-US" altLang="zh-CN" dirty="0" err="1"/>
+              <a:t>css</a:t>
+            </a:r>
+            <a:endParaRPr lang="zh-CN" altLang="en-US" dirty="0"/>
           </a:p>
         </p:txBody>
       </p:sp>

--- a/NoneCode/SmallProject.pptx
+++ b/NoneCode/SmallProject.pptx
@@ -5203,6 +5203,42 @@
           </a:p>
         </p:txBody>
       </p:sp>
+      <p:pic>
+        <p:nvPicPr>
+          <p:cNvPr id="7" name="Picture 6" descr="A screenshot of a computer&#10;&#10;AI-generated content may be incorrect.">
+            <a:extLst>
+              <a:ext uri="{FF2B5EF4-FFF2-40B4-BE49-F238E27FC236}">
+                <a16:creationId xmlns:a16="http://schemas.microsoft.com/office/drawing/2014/main" id="{875980C4-67CF-E961-7B01-63EF93772704}"/>
+              </a:ext>
+            </a:extLst>
+          </p:cNvPr>
+          <p:cNvPicPr>
+            <a:picLocks noChangeAspect="1"/>
+          </p:cNvPicPr>
+          <p:nvPr/>
+        </p:nvPicPr>
+        <p:blipFill>
+          <a:blip r:embed="rId4">
+            <a:extLst>
+              <a:ext uri="{28A0092B-C50C-407E-A947-70E740481C1C}">
+                <a14:useLocalDpi xmlns:a14="http://schemas.microsoft.com/office/drawing/2010/main" val="0"/>
+              </a:ext>
+            </a:extLst>
+          </a:blip>
+          <a:stretch>
+            <a:fillRect/>
+          </a:stretch>
+        </p:blipFill>
+        <p:spPr>
+          <a:xfrm>
+            <a:off x="1124909" y="1690688"/>
+            <a:ext cx="8496360" cy="5091910"/>
+          </a:xfrm>
+          <a:prstGeom prst="rect">
+            <a:avLst/>
+          </a:prstGeom>
+        </p:spPr>
+      </p:pic>
     </p:spTree>
     <p:extLst>
       <p:ext uri="{BB962C8B-B14F-4D97-AF65-F5344CB8AC3E}">

--- a/NoneCode/SmallProject.pptx
+++ b/NoneCode/SmallProject.pptx
@@ -3475,7 +3475,7 @@
                 <a:latin typeface="Times New Roman" panose="02020603050405020304" pitchFamily="18" charset="0"/>
                 <a:cs typeface="Times New Roman" panose="02020603050405020304" pitchFamily="18" charset="0"/>
               </a:rPr>
-              <a:t>Small Project Demo</a:t>
+              <a:t>Coders In The Wild Demo</a:t>
             </a:r>
             <a:endParaRPr lang="zh-CN" altLang="en-US" sz="7200" dirty="0">
               <a:solidFill>
@@ -3961,13 +3961,13 @@
           <a:lstStyle/>
           <a:p>
             <a:r>
-              <a:rPr lang="en-US" altLang="zh-CN" sz="2400" u="sng" dirty="0">
+              <a:rPr lang="en-US" altLang="zh-CN" sz="2400" dirty="0">
                 <a:solidFill>
                   <a:schemeClr val="bg1"/>
                 </a:solidFill>
                 <a:latin typeface="Times New Roman" panose="02020603050405020304" pitchFamily="18" charset="0"/>
                 <a:cs typeface="Times New Roman" panose="02020603050405020304" pitchFamily="18" charset="0"/>
-                <a:hlinkClick r:id="rId4" tooltip="https://app.swaggerhub.com/apis-docs/group20-12c/magistic-contacter/1.0.0#/default/post_SearchContacts_php">
+                <a:hlinkClick r:id="rId4">
                   <a:extLst>
                     <a:ext uri="{A12FA001-AC4F-418D-AE19-62706E023703}">
                       <ahyp:hlinkClr xmlns:ahyp="http://schemas.microsoft.com/office/drawing/2018/hyperlinkcolor" val="tx"/>
@@ -3975,7 +3975,7 @@
                   </a:extLst>
                 </a:hlinkClick>
               </a:rPr>
-              <a:t>https://app.swaggerhub.com/apis-docs/group20-12c/magistic-contacter/1.0.0#/default/post_SearchContacts_php</a:t>
+              <a:t>https://app.swaggerhub.com/apis-docs/group20-12c/CodersInTheWild/1.0.0#/default/post_SearchContacts_php</a:t>
             </a:r>
             <a:endParaRPr lang="zh-CN" altLang="en-US" sz="2400" dirty="0">
               <a:solidFill>

--- a/NoneCode/SmallProject.pptx
+++ b/NoneCode/SmallProject.pptx
@@ -14,8 +14,9 @@
     <p:sldId id="259" r:id="rId8"/>
     <p:sldId id="261" r:id="rId9"/>
     <p:sldId id="260" r:id="rId10"/>
-    <p:sldId id="266" r:id="rId11"/>
-    <p:sldId id="267" r:id="rId12"/>
+    <p:sldId id="269" r:id="rId11"/>
+    <p:sldId id="266" r:id="rId12"/>
+    <p:sldId id="267" r:id="rId13"/>
   </p:sldIdLst>
   <p:sldSz cx="12192000" cy="6858000"/>
   <p:notesSz cx="6858000" cy="9144000"/>
@@ -3667,7 +3668,7 @@
         <p:cNvPr id="1" name="">
           <a:extLst>
             <a:ext uri="{FF2B5EF4-FFF2-40B4-BE49-F238E27FC236}">
-              <a16:creationId xmlns:a16="http://schemas.microsoft.com/office/drawing/2014/main" id="{67DF7212-B919-CF65-0232-494AA8F99C0B}"/>
+              <a16:creationId xmlns:a16="http://schemas.microsoft.com/office/drawing/2014/main" id="{9586AE77-9063-30CC-530C-9B2C282C7F9A}"/>
             </a:ext>
           </a:extLst>
         </p:cNvPr>
@@ -3687,7 +3688,7 @@
           <p:cNvPr id="2" name="标题 1">
             <a:extLst>
               <a:ext uri="{FF2B5EF4-FFF2-40B4-BE49-F238E27FC236}">
-                <a16:creationId xmlns:a16="http://schemas.microsoft.com/office/drawing/2014/main" id="{1C9F3C86-B6F9-67D4-47F3-38344F6F5E26}"/>
+                <a16:creationId xmlns:a16="http://schemas.microsoft.com/office/drawing/2014/main" id="{74704D31-7813-715E-6E38-7C0FF22FD90E}"/>
               </a:ext>
             </a:extLst>
           </p:cNvPr>
@@ -3712,7 +3713,7 @@
           <p:cNvPr id="5" name="内容占位符 4">
             <a:extLst>
               <a:ext uri="{FF2B5EF4-FFF2-40B4-BE49-F238E27FC236}">
-                <a16:creationId xmlns:a16="http://schemas.microsoft.com/office/drawing/2014/main" id="{36C2CDD7-3CFE-4992-398C-9B1499B614B6}"/>
+                <a16:creationId xmlns:a16="http://schemas.microsoft.com/office/drawing/2014/main" id="{8AA7FBC9-6C87-6782-8C4E-39AC5CDA3484}"/>
               </a:ext>
             </a:extLst>
           </p:cNvPr>
@@ -3747,7 +3748,7 @@
           <p:cNvPr id="4" name="矩形 3">
             <a:extLst>
               <a:ext uri="{FF2B5EF4-FFF2-40B4-BE49-F238E27FC236}">
-                <a16:creationId xmlns:a16="http://schemas.microsoft.com/office/drawing/2014/main" id="{CBB370EE-598E-C7D1-1B0B-DEE2981B0DCF}"/>
+                <a16:creationId xmlns:a16="http://schemas.microsoft.com/office/drawing/2014/main" id="{413CA681-319A-200C-B1E6-4883D16E4DCA}"/>
               </a:ext>
             </a:extLst>
           </p:cNvPr>
@@ -3757,7 +3758,7 @@
         <p:spPr>
           <a:xfrm>
             <a:off x="-1" y="1289369"/>
-            <a:ext cx="7552024" cy="249979"/>
+            <a:ext cx="10515600" cy="249979"/>
           </a:xfrm>
           <a:prstGeom prst="rect">
             <a:avLst/>
@@ -3822,7 +3823,7 @@
           <p:cNvPr id="6" name="文本框 5">
             <a:extLst>
               <a:ext uri="{FF2B5EF4-FFF2-40B4-BE49-F238E27FC236}">
-                <a16:creationId xmlns:a16="http://schemas.microsoft.com/office/drawing/2014/main" id="{1C66C938-FE21-E63D-546E-0905000BEBA2}"/>
+                <a16:creationId xmlns:a16="http://schemas.microsoft.com/office/drawing/2014/main" id="{42D211C7-37EB-7139-CC78-5F04AE3B0AAD}"/>
               </a:ext>
             </a:extLst>
           </p:cNvPr>
@@ -3831,8 +3832,8 @@
         </p:nvSpPr>
         <p:spPr>
           <a:xfrm>
-            <a:off x="960449" y="365125"/>
-            <a:ext cx="5436104" cy="923330"/>
+            <a:off x="1124909" y="381363"/>
+            <a:ext cx="3397084" cy="923330"/>
           </a:xfrm>
           <a:prstGeom prst="rect">
             <a:avLst/>
@@ -3846,15 +3847,14 @@
           <a:lstStyle/>
           <a:p>
             <a:r>
-              <a:rPr lang="en-US" altLang="zh-CN" sz="5400" b="0" i="0" dirty="0">
+              <a:rPr lang="en-US" altLang="zh-CN" sz="5400" dirty="0">
                 <a:solidFill>
                   <a:schemeClr val="bg1"/>
                 </a:solidFill>
-                <a:effectLst/>
                 <a:latin typeface="Times New Roman" panose="02020603050405020304" pitchFamily="18" charset="0"/>
                 <a:cs typeface="Times New Roman" panose="02020603050405020304" pitchFamily="18" charset="0"/>
               </a:rPr>
-              <a:t>API demonstration</a:t>
+              <a:t>API Scripts</a:t>
             </a:r>
             <a:endParaRPr lang="zh-CN" altLang="en-US" sz="5400" dirty="0">
               <a:solidFill>
@@ -3868,10 +3868,10 @@
       </p:sp>
       <p:sp>
         <p:nvSpPr>
-          <p:cNvPr id="8" name="箭头: 五边形 7">
-            <a:extLst>
-              <a:ext uri="{FF2B5EF4-FFF2-40B4-BE49-F238E27FC236}">
-                <a16:creationId xmlns:a16="http://schemas.microsoft.com/office/drawing/2014/main" id="{D01EFE94-18AA-B9E6-CFE5-F58315A6BE77}"/>
+          <p:cNvPr id="3" name="流程图: 终止 2">
+            <a:extLst>
+              <a:ext uri="{FF2B5EF4-FFF2-40B4-BE49-F238E27FC236}">
+                <a16:creationId xmlns:a16="http://schemas.microsoft.com/office/drawing/2014/main" id="{00579F21-EEAA-69C2-48FB-88279F34896E}"/>
               </a:ext>
             </a:extLst>
           </p:cNvPr>
@@ -3880,10 +3880,10 @@
         </p:nvSpPr>
         <p:spPr>
           <a:xfrm>
-            <a:off x="1482635" y="3026840"/>
-            <a:ext cx="8915400" cy="1247503"/>
-          </a:xfrm>
-          <a:prstGeom prst="homePlate">
+            <a:off x="1217007" y="1733163"/>
+            <a:ext cx="9453186" cy="592058"/>
+          </a:xfrm>
+          <a:prstGeom prst="flowChartTerminator">
             <a:avLst/>
           </a:prstGeom>
           <a:gradFill flip="none" rotWithShape="1">
@@ -3891,12 +3891,12 @@
               <a:gs pos="0">
                 <a:schemeClr val="accent1"/>
               </a:gs>
-              <a:gs pos="42000">
+              <a:gs pos="39000">
                 <a:schemeClr val="accent1">
                   <a:alpha val="0"/>
                 </a:schemeClr>
               </a:gs>
-              <a:gs pos="66000">
+              <a:gs pos="63000">
                 <a:schemeClr val="accent1">
                   <a:alpha val="0"/>
                 </a:schemeClr>
@@ -3960,6 +3960,785 @@
           <a:bodyPr rtlCol="0" anchor="ctr"/>
           <a:lstStyle/>
           <a:p>
+            <a:pPr algn="ctr"/>
+            <a:r>
+              <a:rPr lang="en-US" altLang="zh-CN" sz="2000" dirty="0" err="1">
+                <a:latin typeface="Times New Roman" panose="02020603050405020304" pitchFamily="18" charset="0"/>
+                <a:cs typeface="Times New Roman" panose="02020603050405020304" pitchFamily="18" charset="0"/>
+              </a:rPr>
+              <a:t>Login.php</a:t>
+            </a:r>
+            <a:endParaRPr lang="zh-CN" altLang="en-US" sz="2000" dirty="0">
+              <a:latin typeface="Times New Roman" panose="02020603050405020304" pitchFamily="18" charset="0"/>
+              <a:cs typeface="Times New Roman" panose="02020603050405020304" pitchFamily="18" charset="0"/>
+            </a:endParaRPr>
+          </a:p>
+        </p:txBody>
+      </p:sp>
+      <p:sp>
+        <p:nvSpPr>
+          <p:cNvPr id="7" name="流程图: 终止 6">
+            <a:extLst>
+              <a:ext uri="{FF2B5EF4-FFF2-40B4-BE49-F238E27FC236}">
+                <a16:creationId xmlns:a16="http://schemas.microsoft.com/office/drawing/2014/main" id="{CF8617EA-4AC1-901E-09BE-B7B45CFD1BA3}"/>
+              </a:ext>
+            </a:extLst>
+          </p:cNvPr>
+          <p:cNvSpPr/>
+          <p:nvPr/>
+        </p:nvSpPr>
+        <p:spPr>
+          <a:xfrm>
+            <a:off x="1217007" y="2415187"/>
+            <a:ext cx="9453186" cy="592058"/>
+          </a:xfrm>
+          <a:prstGeom prst="flowChartTerminator">
+            <a:avLst/>
+          </a:prstGeom>
+          <a:gradFill flip="none" rotWithShape="1">
+            <a:gsLst>
+              <a:gs pos="0">
+                <a:schemeClr val="accent1"/>
+              </a:gs>
+              <a:gs pos="44000">
+                <a:schemeClr val="accent1">
+                  <a:alpha val="0"/>
+                </a:schemeClr>
+              </a:gs>
+              <a:gs pos="63000">
+                <a:schemeClr val="accent1">
+                  <a:alpha val="0"/>
+                </a:schemeClr>
+              </a:gs>
+              <a:gs pos="100000">
+                <a:schemeClr val="accent1"/>
+              </a:gs>
+            </a:gsLst>
+            <a:lin ang="13500000" scaled="1"/>
+            <a:tileRect/>
+          </a:gradFill>
+          <a:ln>
+            <a:gradFill>
+              <a:gsLst>
+                <a:gs pos="0">
+                  <a:schemeClr val="accent1">
+                    <a:lumMod val="5000"/>
+                    <a:lumOff val="95000"/>
+                  </a:schemeClr>
+                </a:gs>
+                <a:gs pos="74000">
+                  <a:schemeClr val="accent1">
+                    <a:lumMod val="45000"/>
+                    <a:lumOff val="55000"/>
+                  </a:schemeClr>
+                </a:gs>
+                <a:gs pos="83000">
+                  <a:schemeClr val="accent1">
+                    <a:lumMod val="45000"/>
+                    <a:lumOff val="55000"/>
+                  </a:schemeClr>
+                </a:gs>
+                <a:gs pos="100000">
+                  <a:schemeClr val="accent1">
+                    <a:lumMod val="30000"/>
+                    <a:lumOff val="70000"/>
+                  </a:schemeClr>
+                </a:gs>
+              </a:gsLst>
+              <a:lin ang="5400000" scaled="1"/>
+            </a:gradFill>
+          </a:ln>
+        </p:spPr>
+        <p:style>
+          <a:lnRef idx="2">
+            <a:schemeClr val="accent1">
+              <a:shade val="15000"/>
+            </a:schemeClr>
+          </a:lnRef>
+          <a:fillRef idx="1">
+            <a:schemeClr val="accent1"/>
+          </a:fillRef>
+          <a:effectRef idx="0">
+            <a:schemeClr val="accent1"/>
+          </a:effectRef>
+          <a:fontRef idx="minor">
+            <a:schemeClr val="lt1"/>
+          </a:fontRef>
+        </p:style>
+        <p:txBody>
+          <a:bodyPr rtlCol="0" anchor="ctr"/>
+          <a:lstStyle/>
+          <a:p>
+            <a:pPr algn="ctr"/>
+            <a:r>
+              <a:rPr lang="en-US" altLang="zh-CN" sz="2000" dirty="0" err="1">
+                <a:latin typeface="Times New Roman" panose="02020603050405020304" pitchFamily="18" charset="0"/>
+                <a:cs typeface="Times New Roman" panose="02020603050405020304" pitchFamily="18" charset="0"/>
+              </a:rPr>
+              <a:t>SearchContacts.php</a:t>
+            </a:r>
+            <a:endParaRPr lang="zh-CN" altLang="en-US" sz="2000" dirty="0">
+              <a:latin typeface="Times New Roman" panose="02020603050405020304" pitchFamily="18" charset="0"/>
+              <a:cs typeface="Times New Roman" panose="02020603050405020304" pitchFamily="18" charset="0"/>
+            </a:endParaRPr>
+          </a:p>
+        </p:txBody>
+      </p:sp>
+      <p:sp>
+        <p:nvSpPr>
+          <p:cNvPr id="8" name="流程图: 终止 7">
+            <a:extLst>
+              <a:ext uri="{FF2B5EF4-FFF2-40B4-BE49-F238E27FC236}">
+                <a16:creationId xmlns:a16="http://schemas.microsoft.com/office/drawing/2014/main" id="{F6DA8103-8052-F9FB-77F6-ABF33CE5AD20}"/>
+              </a:ext>
+            </a:extLst>
+          </p:cNvPr>
+          <p:cNvSpPr/>
+          <p:nvPr/>
+        </p:nvSpPr>
+        <p:spPr>
+          <a:xfrm>
+            <a:off x="1217007" y="3960112"/>
+            <a:ext cx="9453186" cy="592058"/>
+          </a:xfrm>
+          <a:prstGeom prst="flowChartTerminator">
+            <a:avLst/>
+          </a:prstGeom>
+          <a:gradFill flip="none" rotWithShape="1">
+            <a:gsLst>
+              <a:gs pos="0">
+                <a:schemeClr val="accent1"/>
+              </a:gs>
+              <a:gs pos="40000">
+                <a:schemeClr val="accent1">
+                  <a:alpha val="0"/>
+                </a:schemeClr>
+              </a:gs>
+              <a:gs pos="64000">
+                <a:schemeClr val="accent1">
+                  <a:alpha val="0"/>
+                </a:schemeClr>
+              </a:gs>
+              <a:gs pos="100000">
+                <a:schemeClr val="accent1"/>
+              </a:gs>
+            </a:gsLst>
+            <a:lin ang="13500000" scaled="1"/>
+            <a:tileRect/>
+          </a:gradFill>
+          <a:ln>
+            <a:gradFill>
+              <a:gsLst>
+                <a:gs pos="0">
+                  <a:schemeClr val="accent1">
+                    <a:lumMod val="5000"/>
+                    <a:lumOff val="95000"/>
+                  </a:schemeClr>
+                </a:gs>
+                <a:gs pos="74000">
+                  <a:schemeClr val="accent1">
+                    <a:lumMod val="45000"/>
+                    <a:lumOff val="55000"/>
+                  </a:schemeClr>
+                </a:gs>
+                <a:gs pos="83000">
+                  <a:schemeClr val="accent1">
+                    <a:lumMod val="45000"/>
+                    <a:lumOff val="55000"/>
+                  </a:schemeClr>
+                </a:gs>
+                <a:gs pos="100000">
+                  <a:schemeClr val="accent1">
+                    <a:lumMod val="30000"/>
+                    <a:lumOff val="70000"/>
+                  </a:schemeClr>
+                </a:gs>
+              </a:gsLst>
+              <a:lin ang="5400000" scaled="1"/>
+            </a:gradFill>
+          </a:ln>
+        </p:spPr>
+        <p:style>
+          <a:lnRef idx="2">
+            <a:schemeClr val="accent1">
+              <a:shade val="15000"/>
+            </a:schemeClr>
+          </a:lnRef>
+          <a:fillRef idx="1">
+            <a:schemeClr val="accent1"/>
+          </a:fillRef>
+          <a:effectRef idx="0">
+            <a:schemeClr val="accent1"/>
+          </a:effectRef>
+          <a:fontRef idx="minor">
+            <a:schemeClr val="lt1"/>
+          </a:fontRef>
+        </p:style>
+        <p:txBody>
+          <a:bodyPr rtlCol="0" anchor="ctr"/>
+          <a:lstStyle/>
+          <a:p>
+            <a:pPr algn="ctr"/>
+            <a:r>
+              <a:rPr lang="en-US" altLang="zh-CN" sz="2000" dirty="0" err="1">
+                <a:latin typeface="Times New Roman" panose="02020603050405020304" pitchFamily="18" charset="0"/>
+                <a:cs typeface="Times New Roman" panose="02020603050405020304" pitchFamily="18" charset="0"/>
+              </a:rPr>
+              <a:t>DeleteContacts.php</a:t>
+            </a:r>
+            <a:endParaRPr lang="zh-CN" altLang="en-US" sz="2000" dirty="0">
+              <a:latin typeface="Times New Roman" panose="02020603050405020304" pitchFamily="18" charset="0"/>
+              <a:cs typeface="Times New Roman" panose="02020603050405020304" pitchFamily="18" charset="0"/>
+            </a:endParaRPr>
+          </a:p>
+        </p:txBody>
+      </p:sp>
+      <p:sp>
+        <p:nvSpPr>
+          <p:cNvPr id="9" name="流程图: 终止 6">
+            <a:extLst>
+              <a:ext uri="{FF2B5EF4-FFF2-40B4-BE49-F238E27FC236}">
+                <a16:creationId xmlns:a16="http://schemas.microsoft.com/office/drawing/2014/main" id="{5A17C8D9-296B-1D08-E3CF-F8479093E941}"/>
+              </a:ext>
+            </a:extLst>
+          </p:cNvPr>
+          <p:cNvSpPr/>
+          <p:nvPr/>
+        </p:nvSpPr>
+        <p:spPr>
+          <a:xfrm>
+            <a:off x="1217007" y="3157757"/>
+            <a:ext cx="9453186" cy="592058"/>
+          </a:xfrm>
+          <a:prstGeom prst="flowChartTerminator">
+            <a:avLst/>
+          </a:prstGeom>
+          <a:gradFill flip="none" rotWithShape="1">
+            <a:gsLst>
+              <a:gs pos="0">
+                <a:schemeClr val="accent1"/>
+              </a:gs>
+              <a:gs pos="44000">
+                <a:schemeClr val="accent1">
+                  <a:alpha val="0"/>
+                </a:schemeClr>
+              </a:gs>
+              <a:gs pos="63000">
+                <a:schemeClr val="accent1">
+                  <a:alpha val="0"/>
+                </a:schemeClr>
+              </a:gs>
+              <a:gs pos="100000">
+                <a:schemeClr val="accent1"/>
+              </a:gs>
+            </a:gsLst>
+            <a:lin ang="13500000" scaled="1"/>
+            <a:tileRect/>
+          </a:gradFill>
+          <a:ln>
+            <a:gradFill>
+              <a:gsLst>
+                <a:gs pos="0">
+                  <a:schemeClr val="accent1">
+                    <a:lumMod val="5000"/>
+                    <a:lumOff val="95000"/>
+                  </a:schemeClr>
+                </a:gs>
+                <a:gs pos="74000">
+                  <a:schemeClr val="accent1">
+                    <a:lumMod val="45000"/>
+                    <a:lumOff val="55000"/>
+                  </a:schemeClr>
+                </a:gs>
+                <a:gs pos="83000">
+                  <a:schemeClr val="accent1">
+                    <a:lumMod val="45000"/>
+                    <a:lumOff val="55000"/>
+                  </a:schemeClr>
+                </a:gs>
+                <a:gs pos="100000">
+                  <a:schemeClr val="accent1">
+                    <a:lumMod val="30000"/>
+                    <a:lumOff val="70000"/>
+                  </a:schemeClr>
+                </a:gs>
+              </a:gsLst>
+              <a:lin ang="5400000" scaled="1"/>
+            </a:gradFill>
+          </a:ln>
+        </p:spPr>
+        <p:style>
+          <a:lnRef idx="2">
+            <a:schemeClr val="accent1">
+              <a:shade val="15000"/>
+            </a:schemeClr>
+          </a:lnRef>
+          <a:fillRef idx="1">
+            <a:schemeClr val="accent1"/>
+          </a:fillRef>
+          <a:effectRef idx="0">
+            <a:schemeClr val="accent1"/>
+          </a:effectRef>
+          <a:fontRef idx="minor">
+            <a:schemeClr val="lt1"/>
+          </a:fontRef>
+        </p:style>
+        <p:txBody>
+          <a:bodyPr rtlCol="0" anchor="ctr"/>
+          <a:lstStyle/>
+          <a:p>
+            <a:pPr algn="ctr"/>
+            <a:r>
+              <a:rPr lang="en-US" altLang="zh-CN" sz="2000" dirty="0" err="1">
+                <a:latin typeface="Times New Roman" panose="02020603050405020304" pitchFamily="18" charset="0"/>
+                <a:cs typeface="Times New Roman" panose="02020603050405020304" pitchFamily="18" charset="0"/>
+              </a:rPr>
+              <a:t>AddContacts.php</a:t>
+            </a:r>
+            <a:endParaRPr lang="zh-CN" altLang="en-US" sz="2000" dirty="0">
+              <a:latin typeface="Times New Roman" panose="02020603050405020304" pitchFamily="18" charset="0"/>
+              <a:cs typeface="Times New Roman" panose="02020603050405020304" pitchFamily="18" charset="0"/>
+            </a:endParaRPr>
+          </a:p>
+        </p:txBody>
+      </p:sp>
+      <p:sp>
+        <p:nvSpPr>
+          <p:cNvPr id="11" name="流程图: 终止 7">
+            <a:extLst>
+              <a:ext uri="{FF2B5EF4-FFF2-40B4-BE49-F238E27FC236}">
+                <a16:creationId xmlns:a16="http://schemas.microsoft.com/office/drawing/2014/main" id="{5817BDA6-971A-3CA9-E45E-6A63DF2F427E}"/>
+              </a:ext>
+            </a:extLst>
+          </p:cNvPr>
+          <p:cNvSpPr/>
+          <p:nvPr/>
+        </p:nvSpPr>
+        <p:spPr>
+          <a:xfrm>
+            <a:off x="1217007" y="4762467"/>
+            <a:ext cx="9453186" cy="592058"/>
+          </a:xfrm>
+          <a:prstGeom prst="flowChartTerminator">
+            <a:avLst/>
+          </a:prstGeom>
+          <a:gradFill flip="none" rotWithShape="1">
+            <a:gsLst>
+              <a:gs pos="0">
+                <a:schemeClr val="accent1"/>
+              </a:gs>
+              <a:gs pos="40000">
+                <a:schemeClr val="accent1">
+                  <a:alpha val="0"/>
+                </a:schemeClr>
+              </a:gs>
+              <a:gs pos="64000">
+                <a:schemeClr val="accent1">
+                  <a:alpha val="0"/>
+                </a:schemeClr>
+              </a:gs>
+              <a:gs pos="100000">
+                <a:schemeClr val="accent1"/>
+              </a:gs>
+            </a:gsLst>
+            <a:lin ang="13500000" scaled="1"/>
+            <a:tileRect/>
+          </a:gradFill>
+          <a:ln>
+            <a:gradFill>
+              <a:gsLst>
+                <a:gs pos="0">
+                  <a:schemeClr val="accent1">
+                    <a:lumMod val="5000"/>
+                    <a:lumOff val="95000"/>
+                  </a:schemeClr>
+                </a:gs>
+                <a:gs pos="74000">
+                  <a:schemeClr val="accent1">
+                    <a:lumMod val="45000"/>
+                    <a:lumOff val="55000"/>
+                  </a:schemeClr>
+                </a:gs>
+                <a:gs pos="83000">
+                  <a:schemeClr val="accent1">
+                    <a:lumMod val="45000"/>
+                    <a:lumOff val="55000"/>
+                  </a:schemeClr>
+                </a:gs>
+                <a:gs pos="100000">
+                  <a:schemeClr val="accent1">
+                    <a:lumMod val="30000"/>
+                    <a:lumOff val="70000"/>
+                  </a:schemeClr>
+                </a:gs>
+              </a:gsLst>
+              <a:lin ang="5400000" scaled="1"/>
+            </a:gradFill>
+          </a:ln>
+        </p:spPr>
+        <p:style>
+          <a:lnRef idx="2">
+            <a:schemeClr val="accent1">
+              <a:shade val="15000"/>
+            </a:schemeClr>
+          </a:lnRef>
+          <a:fillRef idx="1">
+            <a:schemeClr val="accent1"/>
+          </a:fillRef>
+          <a:effectRef idx="0">
+            <a:schemeClr val="accent1"/>
+          </a:effectRef>
+          <a:fontRef idx="minor">
+            <a:schemeClr val="lt1"/>
+          </a:fontRef>
+        </p:style>
+        <p:txBody>
+          <a:bodyPr rtlCol="0" anchor="ctr"/>
+          <a:lstStyle/>
+          <a:p>
+            <a:pPr algn="ctr"/>
+            <a:r>
+              <a:rPr lang="en-US" altLang="zh-CN" sz="2000" dirty="0" err="1">
+                <a:latin typeface="Times New Roman" panose="02020603050405020304" pitchFamily="18" charset="0"/>
+                <a:cs typeface="Times New Roman" panose="02020603050405020304" pitchFamily="18" charset="0"/>
+              </a:rPr>
+              <a:t>Register.php</a:t>
+            </a:r>
+            <a:endParaRPr lang="zh-CN" altLang="en-US" sz="2000" dirty="0">
+              <a:latin typeface="Times New Roman" panose="02020603050405020304" pitchFamily="18" charset="0"/>
+              <a:cs typeface="Times New Roman" panose="02020603050405020304" pitchFamily="18" charset="0"/>
+            </a:endParaRPr>
+          </a:p>
+        </p:txBody>
+      </p:sp>
+    </p:spTree>
+    <p:extLst>
+      <p:ext uri="{BB962C8B-B14F-4D97-AF65-F5344CB8AC3E}">
+        <p14:creationId xmlns:p14="http://schemas.microsoft.com/office/powerpoint/2010/main" val="487926515"/>
+      </p:ext>
+    </p:extLst>
+  </p:cSld>
+  <p:clrMapOvr>
+    <a:masterClrMapping/>
+  </p:clrMapOvr>
+</p:sld>
+</file>
+
+<file path=ppt/slides/slide11.xml><?xml version="1.0" encoding="utf-8"?>
+<p:sld xmlns:a="http://schemas.openxmlformats.org/drawingml/2006/main" xmlns:r="http://schemas.openxmlformats.org/officeDocument/2006/relationships" xmlns:p="http://schemas.openxmlformats.org/presentationml/2006/main">
+  <p:cSld>
+    <p:bg>
+      <p:bgPr>
+        <a:blipFill dpi="0" rotWithShape="1">
+          <a:blip r:embed="rId2">
+            <a:lum/>
+          </a:blip>
+          <a:srcRect/>
+          <a:stretch>
+            <a:fillRect t="-21000" b="-21000"/>
+          </a:stretch>
+        </a:blipFill>
+        <a:effectLst/>
+      </p:bgPr>
+    </p:bg>
+    <p:spTree>
+      <p:nvGrpSpPr>
+        <p:cNvPr id="1" name="">
+          <a:extLst>
+            <a:ext uri="{FF2B5EF4-FFF2-40B4-BE49-F238E27FC236}">
+              <a16:creationId xmlns:a16="http://schemas.microsoft.com/office/drawing/2014/main" id="{67DF7212-B919-CF65-0232-494AA8F99C0B}"/>
+            </a:ext>
+          </a:extLst>
+        </p:cNvPr>
+        <p:cNvGrpSpPr/>
+        <p:nvPr/>
+      </p:nvGrpSpPr>
+      <p:grpSpPr>
+        <a:xfrm>
+          <a:off x="0" y="0"/>
+          <a:ext cx="0" cy="0"/>
+          <a:chOff x="0" y="0"/>
+          <a:chExt cx="0" cy="0"/>
+        </a:xfrm>
+      </p:grpSpPr>
+      <p:sp>
+        <p:nvSpPr>
+          <p:cNvPr id="2" name="标题 1">
+            <a:extLst>
+              <a:ext uri="{FF2B5EF4-FFF2-40B4-BE49-F238E27FC236}">
+                <a16:creationId xmlns:a16="http://schemas.microsoft.com/office/drawing/2014/main" id="{1C9F3C86-B6F9-67D4-47F3-38344F6F5E26}"/>
+              </a:ext>
+            </a:extLst>
+          </p:cNvPr>
+          <p:cNvSpPr>
+            <a:spLocks noGrp="1"/>
+          </p:cNvSpPr>
+          <p:nvPr>
+            <p:ph type="title"/>
+          </p:nvPr>
+        </p:nvSpPr>
+        <p:spPr/>
+        <p:txBody>
+          <a:bodyPr/>
+          <a:lstStyle/>
+          <a:p>
+            <a:endParaRPr lang="zh-CN" altLang="en-US"/>
+          </a:p>
+        </p:txBody>
+      </p:sp>
+      <p:pic>
+        <p:nvPicPr>
+          <p:cNvPr id="5" name="内容占位符 4">
+            <a:extLst>
+              <a:ext uri="{FF2B5EF4-FFF2-40B4-BE49-F238E27FC236}">
+                <a16:creationId xmlns:a16="http://schemas.microsoft.com/office/drawing/2014/main" id="{36C2CDD7-3CFE-4992-398C-9B1499B614B6}"/>
+              </a:ext>
+            </a:extLst>
+          </p:cNvPr>
+          <p:cNvPicPr>
+            <a:picLocks noGrp="1" noChangeAspect="1"/>
+          </p:cNvPicPr>
+          <p:nvPr>
+            <p:ph idx="1"/>
+          </p:nvPr>
+        </p:nvPicPr>
+        <p:blipFill>
+          <a:blip r:embed="rId3">
+            <a:extLst>
+              <a:ext uri="{28A0092B-C50C-407E-A947-70E740481C1C}">
+                <a14:useLocalDpi xmlns:a14="http://schemas.microsoft.com/office/drawing/2010/main" val="0"/>
+              </a:ext>
+            </a:extLst>
+          </a:blip>
+          <a:stretch>
+            <a:fillRect/>
+          </a:stretch>
+        </p:blipFill>
+        <p:spPr>
+          <a:xfrm>
+            <a:off x="-1" y="365125"/>
+            <a:ext cx="12192000" cy="6858000"/>
+          </a:xfrm>
+        </p:spPr>
+      </p:pic>
+      <p:sp>
+        <p:nvSpPr>
+          <p:cNvPr id="4" name="矩形 3">
+            <a:extLst>
+              <a:ext uri="{FF2B5EF4-FFF2-40B4-BE49-F238E27FC236}">
+                <a16:creationId xmlns:a16="http://schemas.microsoft.com/office/drawing/2014/main" id="{CBB370EE-598E-C7D1-1B0B-DEE2981B0DCF}"/>
+              </a:ext>
+            </a:extLst>
+          </p:cNvPr>
+          <p:cNvSpPr/>
+          <p:nvPr/>
+        </p:nvSpPr>
+        <p:spPr>
+          <a:xfrm>
+            <a:off x="-1" y="1289369"/>
+            <a:ext cx="7552024" cy="249979"/>
+          </a:xfrm>
+          <a:prstGeom prst="rect">
+            <a:avLst/>
+          </a:prstGeom>
+          <a:gradFill>
+            <a:gsLst>
+              <a:gs pos="0">
+                <a:schemeClr val="accent1">
+                  <a:lumMod val="5000"/>
+                  <a:lumOff val="95000"/>
+                </a:schemeClr>
+              </a:gs>
+              <a:gs pos="74000">
+                <a:schemeClr val="accent1">
+                  <a:lumMod val="45000"/>
+                  <a:lumOff val="55000"/>
+                </a:schemeClr>
+              </a:gs>
+              <a:gs pos="83000">
+                <a:schemeClr val="accent1">
+                  <a:lumMod val="45000"/>
+                  <a:lumOff val="55000"/>
+                </a:schemeClr>
+              </a:gs>
+              <a:gs pos="100000">
+                <a:schemeClr val="accent1">
+                  <a:lumMod val="30000"/>
+                  <a:lumOff val="70000"/>
+                </a:schemeClr>
+              </a:gs>
+            </a:gsLst>
+            <a:lin ang="5400000" scaled="1"/>
+          </a:gradFill>
+        </p:spPr>
+        <p:style>
+          <a:lnRef idx="2">
+            <a:schemeClr val="accent1">
+              <a:shade val="15000"/>
+            </a:schemeClr>
+          </a:lnRef>
+          <a:fillRef idx="1">
+            <a:schemeClr val="accent1"/>
+          </a:fillRef>
+          <a:effectRef idx="0">
+            <a:schemeClr val="accent1"/>
+          </a:effectRef>
+          <a:fontRef idx="minor">
+            <a:schemeClr val="lt1"/>
+          </a:fontRef>
+        </p:style>
+        <p:txBody>
+          <a:bodyPr rtlCol="0" anchor="ctr"/>
+          <a:lstStyle/>
+          <a:p>
+            <a:pPr algn="ctr"/>
+            <a:endParaRPr lang="zh-CN" altLang="en-US"/>
+          </a:p>
+        </p:txBody>
+      </p:sp>
+      <p:sp>
+        <p:nvSpPr>
+          <p:cNvPr id="6" name="文本框 5">
+            <a:extLst>
+              <a:ext uri="{FF2B5EF4-FFF2-40B4-BE49-F238E27FC236}">
+                <a16:creationId xmlns:a16="http://schemas.microsoft.com/office/drawing/2014/main" id="{1C66C938-FE21-E63D-546E-0905000BEBA2}"/>
+              </a:ext>
+            </a:extLst>
+          </p:cNvPr>
+          <p:cNvSpPr txBox="1"/>
+          <p:nvPr/>
+        </p:nvSpPr>
+        <p:spPr>
+          <a:xfrm>
+            <a:off x="960449" y="365125"/>
+            <a:ext cx="5436104" cy="923330"/>
+          </a:xfrm>
+          <a:prstGeom prst="rect">
+            <a:avLst/>
+          </a:prstGeom>
+          <a:noFill/>
+        </p:spPr>
+        <p:txBody>
+          <a:bodyPr wrap="none" rtlCol="0">
+            <a:spAutoFit/>
+          </a:bodyPr>
+          <a:lstStyle/>
+          <a:p>
+            <a:r>
+              <a:rPr lang="en-US" altLang="zh-CN" sz="5400" b="0" i="0" dirty="0">
+                <a:solidFill>
+                  <a:schemeClr val="bg1"/>
+                </a:solidFill>
+                <a:effectLst/>
+                <a:latin typeface="Times New Roman" panose="02020603050405020304" pitchFamily="18" charset="0"/>
+                <a:cs typeface="Times New Roman" panose="02020603050405020304" pitchFamily="18" charset="0"/>
+              </a:rPr>
+              <a:t>API demonstration</a:t>
+            </a:r>
+            <a:endParaRPr lang="zh-CN" altLang="en-US" sz="5400" dirty="0">
+              <a:solidFill>
+                <a:schemeClr val="bg1"/>
+              </a:solidFill>
+              <a:latin typeface="Times New Roman" panose="02020603050405020304" pitchFamily="18" charset="0"/>
+              <a:cs typeface="Times New Roman" panose="02020603050405020304" pitchFamily="18" charset="0"/>
+            </a:endParaRPr>
+          </a:p>
+        </p:txBody>
+      </p:sp>
+      <p:sp>
+        <p:nvSpPr>
+          <p:cNvPr id="8" name="箭头: 五边形 7">
+            <a:extLst>
+              <a:ext uri="{FF2B5EF4-FFF2-40B4-BE49-F238E27FC236}">
+                <a16:creationId xmlns:a16="http://schemas.microsoft.com/office/drawing/2014/main" id="{D01EFE94-18AA-B9E6-CFE5-F58315A6BE77}"/>
+              </a:ext>
+            </a:extLst>
+          </p:cNvPr>
+          <p:cNvSpPr/>
+          <p:nvPr/>
+        </p:nvSpPr>
+        <p:spPr>
+          <a:xfrm>
+            <a:off x="1482635" y="3026840"/>
+            <a:ext cx="8915400" cy="1247503"/>
+          </a:xfrm>
+          <a:prstGeom prst="homePlate">
+            <a:avLst/>
+          </a:prstGeom>
+          <a:gradFill flip="none" rotWithShape="1">
+            <a:gsLst>
+              <a:gs pos="0">
+                <a:schemeClr val="accent1"/>
+              </a:gs>
+              <a:gs pos="42000">
+                <a:schemeClr val="accent1">
+                  <a:alpha val="0"/>
+                </a:schemeClr>
+              </a:gs>
+              <a:gs pos="66000">
+                <a:schemeClr val="accent1">
+                  <a:alpha val="0"/>
+                </a:schemeClr>
+              </a:gs>
+              <a:gs pos="100000">
+                <a:schemeClr val="accent1"/>
+              </a:gs>
+            </a:gsLst>
+            <a:lin ang="13500000" scaled="1"/>
+            <a:tileRect/>
+          </a:gradFill>
+          <a:ln>
+            <a:gradFill>
+              <a:gsLst>
+                <a:gs pos="0">
+                  <a:schemeClr val="accent1">
+                    <a:lumMod val="5000"/>
+                    <a:lumOff val="95000"/>
+                  </a:schemeClr>
+                </a:gs>
+                <a:gs pos="74000">
+                  <a:schemeClr val="accent1">
+                    <a:lumMod val="45000"/>
+                    <a:lumOff val="55000"/>
+                  </a:schemeClr>
+                </a:gs>
+                <a:gs pos="83000">
+                  <a:schemeClr val="accent1">
+                    <a:lumMod val="45000"/>
+                    <a:lumOff val="55000"/>
+                  </a:schemeClr>
+                </a:gs>
+                <a:gs pos="100000">
+                  <a:schemeClr val="accent1">
+                    <a:lumMod val="30000"/>
+                    <a:lumOff val="70000"/>
+                  </a:schemeClr>
+                </a:gs>
+              </a:gsLst>
+              <a:lin ang="5400000" scaled="1"/>
+            </a:gradFill>
+          </a:ln>
+        </p:spPr>
+        <p:style>
+          <a:lnRef idx="2">
+            <a:schemeClr val="accent1">
+              <a:shade val="15000"/>
+            </a:schemeClr>
+          </a:lnRef>
+          <a:fillRef idx="1">
+            <a:schemeClr val="accent1"/>
+          </a:fillRef>
+          <a:effectRef idx="0">
+            <a:schemeClr val="accent1"/>
+          </a:effectRef>
+          <a:fontRef idx="minor">
+            <a:schemeClr val="lt1"/>
+          </a:fontRef>
+        </p:style>
+        <p:txBody>
+          <a:bodyPr rtlCol="0" anchor="ctr"/>
+          <a:lstStyle/>
+          <a:p>
             <a:r>
               <a:rPr lang="en-US" altLang="zh-CN" sz="2400" dirty="0">
                 <a:solidFill>
@@ -4000,7 +4779,7 @@
 </p:sld>
 </file>
 
-<file path=ppt/slides/slide11.xml><?xml version="1.0" encoding="utf-8"?>
+<file path=ppt/slides/slide12.xml><?xml version="1.0" encoding="utf-8"?>
 <p:sld xmlns:a="http://schemas.openxmlformats.org/drawingml/2006/main" xmlns:r="http://schemas.openxmlformats.org/officeDocument/2006/relationships" xmlns:p="http://schemas.openxmlformats.org/presentationml/2006/main">
   <p:cSld>
     <p:bg>
